--- a/Assets/Score/Template.pptx
+++ b/Assets/Score/Template.pptx
@@ -114,7 +114,86 @@
       </a:defRPr>
     </a:lvl9pPr>
   </p:defaultTextStyle>
+  <p:extLst>
+    <p:ext uri="{EFAFB233-063F-42B5-8137-9DF3F51BA10A}">
+      <p15:sldGuideLst xmlns:p15="http://schemas.microsoft.com/office/powerpoint/2012/main"/>
+    </p:ext>
+  </p:extLst>
 </p:presentation>
+</file>
+
+<file path=ppt/changesInfos/changesInfo1.xml><?xml version="1.0" encoding="utf-8"?>
+<pc:chgInfo xmlns:a="http://schemas.openxmlformats.org/drawingml/2006/main" xmlns:r="http://schemas.openxmlformats.org/officeDocument/2006/relationships" xmlns:ac="http://schemas.microsoft.com/office/drawing/2013/main/command" xmlns:pc="http://schemas.microsoft.com/office/powerpoint/2013/main/command">
+  <pc:docChgLst>
+    <pc:chgData name="David Harness" userId="00b5c01e-e802-4d63-9d3f-e30c84cf2197" providerId="ADAL" clId="{39BA5A47-C944-40A9-91A8-C0FF6DDD79E8}"/>
+    <pc:docChg chg="modSld">
+      <pc:chgData name="David Harness" userId="00b5c01e-e802-4d63-9d3f-e30c84cf2197" providerId="ADAL" clId="{39BA5A47-C944-40A9-91A8-C0FF6DDD79E8}" dt="2019-06-29T05:54:49.175" v="3" actId="1076"/>
+      <pc:docMkLst>
+        <pc:docMk/>
+      </pc:docMkLst>
+      <pc:sldChg chg="modSp">
+        <pc:chgData name="David Harness" userId="00b5c01e-e802-4d63-9d3f-e30c84cf2197" providerId="ADAL" clId="{39BA5A47-C944-40A9-91A8-C0FF6DDD79E8}" dt="2019-06-29T05:54:49.175" v="3" actId="1076"/>
+        <pc:sldMkLst>
+          <pc:docMk/>
+          <pc:sldMk cId="89601357" sldId="260"/>
+        </pc:sldMkLst>
+        <pc:picChg chg="mod">
+          <ac:chgData name="David Harness" userId="00b5c01e-e802-4d63-9d3f-e30c84cf2197" providerId="ADAL" clId="{39BA5A47-C944-40A9-91A8-C0FF6DDD79E8}" dt="2019-06-29T05:54:49.175" v="3" actId="1076"/>
+          <ac:picMkLst>
+            <pc:docMk/>
+            <pc:sldMk cId="89601357" sldId="260"/>
+            <ac:picMk id="5128" creationId="{EC7EF8D8-9A64-4C74-BB72-3D47A2D4924A}"/>
+          </ac:picMkLst>
+        </pc:picChg>
+      </pc:sldChg>
+      <pc:sldChg chg="modSp">
+        <pc:chgData name="David Harness" userId="00b5c01e-e802-4d63-9d3f-e30c84cf2197" providerId="ADAL" clId="{39BA5A47-C944-40A9-91A8-C0FF6DDD79E8}" dt="2019-06-29T05:54:41.493" v="1" actId="1076"/>
+        <pc:sldMkLst>
+          <pc:docMk/>
+          <pc:sldMk cId="3904061674" sldId="263"/>
+        </pc:sldMkLst>
+        <pc:grpChg chg="mod">
+          <ac:chgData name="David Harness" userId="00b5c01e-e802-4d63-9d3f-e30c84cf2197" providerId="ADAL" clId="{39BA5A47-C944-40A9-91A8-C0FF6DDD79E8}" dt="2019-06-29T05:54:41.493" v="1" actId="1076"/>
+          <ac:grpSpMkLst>
+            <pc:docMk/>
+            <pc:sldMk cId="3904061674" sldId="263"/>
+            <ac:grpSpMk id="12" creationId="{923E4871-EE21-45BF-83A2-8B71FA3176FC}"/>
+          </ac:grpSpMkLst>
+        </pc:grpChg>
+      </pc:sldChg>
+      <pc:sldChg chg="modSp">
+        <pc:chgData name="David Harness" userId="00b5c01e-e802-4d63-9d3f-e30c84cf2197" providerId="ADAL" clId="{39BA5A47-C944-40A9-91A8-C0FF6DDD79E8}" dt="2019-06-29T05:54:38.133" v="0" actId="1076"/>
+        <pc:sldMkLst>
+          <pc:docMk/>
+          <pc:sldMk cId="4294671296" sldId="265"/>
+        </pc:sldMkLst>
+        <pc:picChg chg="mod">
+          <ac:chgData name="David Harness" userId="00b5c01e-e802-4d63-9d3f-e30c84cf2197" providerId="ADAL" clId="{39BA5A47-C944-40A9-91A8-C0FF6DDD79E8}" dt="2019-06-29T05:54:38.133" v="0" actId="1076"/>
+          <ac:picMkLst>
+            <pc:docMk/>
+            <pc:sldMk cId="4294671296" sldId="265"/>
+            <ac:picMk id="9218" creationId="{B75D8051-CECC-404F-97F7-A485FDA3D0AA}"/>
+          </ac:picMkLst>
+        </pc:picChg>
+      </pc:sldChg>
+      <pc:sldChg chg="modSp">
+        <pc:chgData name="David Harness" userId="00b5c01e-e802-4d63-9d3f-e30c84cf2197" providerId="ADAL" clId="{39BA5A47-C944-40A9-91A8-C0FF6DDD79E8}" dt="2019-06-29T05:54:44.821" v="2" actId="1076"/>
+        <pc:sldMkLst>
+          <pc:docMk/>
+          <pc:sldMk cId="2750239602" sldId="266"/>
+        </pc:sldMkLst>
+        <pc:picChg chg="mod">
+          <ac:chgData name="David Harness" userId="00b5c01e-e802-4d63-9d3f-e30c84cf2197" providerId="ADAL" clId="{39BA5A47-C944-40A9-91A8-C0FF6DDD79E8}" dt="2019-06-29T05:54:44.821" v="2" actId="1076"/>
+          <ac:picMkLst>
+            <pc:docMk/>
+            <pc:sldMk cId="2750239602" sldId="266"/>
+            <ac:picMk id="11268" creationId="{3E6B79F4-2883-4F6E-A5FD-A6A15949465C}"/>
+          </ac:picMkLst>
+        </pc:picChg>
+      </pc:sldChg>
+    </pc:docChg>
+  </pc:docChgLst>
+</pc:chgInfo>
 </file>
 
 <file path=ppt/slideLayouts/slideLayout1.xml><?xml version="1.0" encoding="utf-8"?>
@@ -248,7 +327,7 @@
           <a:p>
             <a:fld id="{2138AE3F-AD4C-42B5-8262-81A441F57E31}" type="datetimeFigureOut">
               <a:rPr lang="en-US" smtClean="0"/>
-              <a:t>06-28-2019</a:t>
+              <a:t>29-Jun-19</a:t>
             </a:fld>
             <a:endParaRPr lang="en-US"/>
           </a:p>
@@ -418,7 +497,7 @@
           <a:p>
             <a:fld id="{2138AE3F-AD4C-42B5-8262-81A441F57E31}" type="datetimeFigureOut">
               <a:rPr lang="en-US" smtClean="0"/>
-              <a:t>06-28-2019</a:t>
+              <a:t>29-Jun-19</a:t>
             </a:fld>
             <a:endParaRPr lang="en-US"/>
           </a:p>
@@ -598,7 +677,7 @@
           <a:p>
             <a:fld id="{2138AE3F-AD4C-42B5-8262-81A441F57E31}" type="datetimeFigureOut">
               <a:rPr lang="en-US" smtClean="0"/>
-              <a:t>06-28-2019</a:t>
+              <a:t>29-Jun-19</a:t>
             </a:fld>
             <a:endParaRPr lang="en-US"/>
           </a:p>
@@ -768,7 +847,7 @@
           <a:p>
             <a:fld id="{2138AE3F-AD4C-42B5-8262-81A441F57E31}" type="datetimeFigureOut">
               <a:rPr lang="en-US" smtClean="0"/>
-              <a:t>06-28-2019</a:t>
+              <a:t>29-Jun-19</a:t>
             </a:fld>
             <a:endParaRPr lang="en-US"/>
           </a:p>
@@ -1014,7 +1093,7 @@
           <a:p>
             <a:fld id="{2138AE3F-AD4C-42B5-8262-81A441F57E31}" type="datetimeFigureOut">
               <a:rPr lang="en-US" smtClean="0"/>
-              <a:t>06-28-2019</a:t>
+              <a:t>29-Jun-19</a:t>
             </a:fld>
             <a:endParaRPr lang="en-US"/>
           </a:p>
@@ -1246,7 +1325,7 @@
           <a:p>
             <a:fld id="{2138AE3F-AD4C-42B5-8262-81A441F57E31}" type="datetimeFigureOut">
               <a:rPr lang="en-US" smtClean="0"/>
-              <a:t>06-28-2019</a:t>
+              <a:t>29-Jun-19</a:t>
             </a:fld>
             <a:endParaRPr lang="en-US"/>
           </a:p>
@@ -1613,7 +1692,7 @@
           <a:p>
             <a:fld id="{2138AE3F-AD4C-42B5-8262-81A441F57E31}" type="datetimeFigureOut">
               <a:rPr lang="en-US" smtClean="0"/>
-              <a:t>06-28-2019</a:t>
+              <a:t>29-Jun-19</a:t>
             </a:fld>
             <a:endParaRPr lang="en-US"/>
           </a:p>
@@ -1731,7 +1810,7 @@
           <a:p>
             <a:fld id="{2138AE3F-AD4C-42B5-8262-81A441F57E31}" type="datetimeFigureOut">
               <a:rPr lang="en-US" smtClean="0"/>
-              <a:t>06-28-2019</a:t>
+              <a:t>29-Jun-19</a:t>
             </a:fld>
             <a:endParaRPr lang="en-US"/>
           </a:p>
@@ -1826,7 +1905,7 @@
           <a:p>
             <a:fld id="{2138AE3F-AD4C-42B5-8262-81A441F57E31}" type="datetimeFigureOut">
               <a:rPr lang="en-US" smtClean="0"/>
-              <a:t>06-28-2019</a:t>
+              <a:t>29-Jun-19</a:t>
             </a:fld>
             <a:endParaRPr lang="en-US"/>
           </a:p>
@@ -2103,7 +2182,7 @@
           <a:p>
             <a:fld id="{2138AE3F-AD4C-42B5-8262-81A441F57E31}" type="datetimeFigureOut">
               <a:rPr lang="en-US" smtClean="0"/>
-              <a:t>06-28-2019</a:t>
+              <a:t>29-Jun-19</a:t>
             </a:fld>
             <a:endParaRPr lang="en-US"/>
           </a:p>
@@ -2360,7 +2439,7 @@
           <a:p>
             <a:fld id="{2138AE3F-AD4C-42B5-8262-81A441F57E31}" type="datetimeFigureOut">
               <a:rPr lang="en-US" smtClean="0"/>
-              <a:t>06-28-2019</a:t>
+              <a:t>29-Jun-19</a:t>
             </a:fld>
             <a:endParaRPr lang="en-US"/>
           </a:p>
@@ -2573,7 +2652,7 @@
           <a:p>
             <a:fld id="{2138AE3F-AD4C-42B5-8262-81A441F57E31}" type="datetimeFigureOut">
               <a:rPr lang="en-US" smtClean="0"/>
-              <a:t>06-28-2019</a:t>
+              <a:t>29-Jun-19</a:t>
             </a:fld>
             <a:endParaRPr lang="en-US"/>
           </a:p>
@@ -3310,7 +3389,7 @@
         </p:nvGrpSpPr>
         <p:grpSpPr>
           <a:xfrm>
-            <a:off x="228014" y="324304"/>
+            <a:off x="315742" y="324304"/>
             <a:ext cx="1027253" cy="538840"/>
             <a:chOff x="650082" y="0"/>
             <a:chExt cx="2263775" cy="1187450"/>
@@ -3600,7 +3679,7 @@
         </p:blipFill>
         <p:spPr bwMode="auto">
           <a:xfrm>
-            <a:off x="228014" y="148033"/>
+            <a:off x="335988" y="148033"/>
             <a:ext cx="891381" cy="891381"/>
           </a:xfrm>
           <a:prstGeom prst="rect">
@@ -4572,7 +4651,7 @@
         </p:blipFill>
         <p:spPr bwMode="auto">
           <a:xfrm>
-            <a:off x="228014" y="148138"/>
+            <a:off x="332613" y="148137"/>
             <a:ext cx="891174" cy="891174"/>
           </a:xfrm>
           <a:prstGeom prst="ellipse">
@@ -5194,7 +5273,7 @@
         </p:blipFill>
         <p:spPr bwMode="auto">
           <a:xfrm>
-            <a:off x="85976" y="28302"/>
+            <a:off x="228014" y="17325"/>
             <a:ext cx="1152798" cy="1152798"/>
           </a:xfrm>
           <a:prstGeom prst="rect">

--- a/Assets/Score/Template.pptx
+++ b/Assets/Score/Template.pptx
@@ -11,11 +11,12 @@
     <p:sldId id="261" r:id="rId5"/>
     <p:sldId id="259" r:id="rId6"/>
     <p:sldId id="260" r:id="rId7"/>
-    <p:sldId id="262" r:id="rId8"/>
-    <p:sldId id="264" r:id="rId9"/>
-    <p:sldId id="265" r:id="rId10"/>
-    <p:sldId id="263" r:id="rId11"/>
-    <p:sldId id="266" r:id="rId12"/>
+    <p:sldId id="267" r:id="rId8"/>
+    <p:sldId id="262" r:id="rId9"/>
+    <p:sldId id="264" r:id="rId10"/>
+    <p:sldId id="265" r:id="rId11"/>
+    <p:sldId id="263" r:id="rId12"/>
+    <p:sldId id="266" r:id="rId13"/>
   </p:sldIdLst>
   <p:sldSz cx="3563938" cy="1187450"/>
   <p:notesSz cx="6858000" cy="9144000"/>
@@ -126,17 +127,85 @@
 <pc:chgInfo xmlns:a="http://schemas.openxmlformats.org/drawingml/2006/main" xmlns:r="http://schemas.openxmlformats.org/officeDocument/2006/relationships" xmlns:ac="http://schemas.microsoft.com/office/drawing/2013/main/command" xmlns:pc="http://schemas.microsoft.com/office/powerpoint/2013/main/command">
   <pc:docChgLst>
     <pc:chgData name="David Harness" userId="00b5c01e-e802-4d63-9d3f-e30c84cf2197" providerId="ADAL" clId="{39BA5A47-C944-40A9-91A8-C0FF6DDD79E8}"/>
-    <pc:docChg chg="modSld">
-      <pc:chgData name="David Harness" userId="00b5c01e-e802-4d63-9d3f-e30c84cf2197" providerId="ADAL" clId="{39BA5A47-C944-40A9-91A8-C0FF6DDD79E8}" dt="2019-06-29T05:54:49.175" v="3" actId="1076"/>
+    <pc:docChg chg="undo addSld modSld">
+      <pc:chgData name="David Harness" userId="00b5c01e-e802-4d63-9d3f-e30c84cf2197" providerId="ADAL" clId="{39BA5A47-C944-40A9-91A8-C0FF6DDD79E8}" dt="2019-06-29T08:59:52.724" v="67" actId="20577"/>
       <pc:docMkLst>
         <pc:docMk/>
       </pc:docMkLst>
       <pc:sldChg chg="modSp">
-        <pc:chgData name="David Harness" userId="00b5c01e-e802-4d63-9d3f-e30c84cf2197" providerId="ADAL" clId="{39BA5A47-C944-40A9-91A8-C0FF6DDD79E8}" dt="2019-06-29T05:54:49.175" v="3" actId="1076"/>
+        <pc:chgData name="David Harness" userId="00b5c01e-e802-4d63-9d3f-e30c84cf2197" providerId="ADAL" clId="{39BA5A47-C944-40A9-91A8-C0FF6DDD79E8}" dt="2019-06-29T08:50:59.665" v="20" actId="20577"/>
+        <pc:sldMkLst>
+          <pc:docMk/>
+          <pc:sldMk cId="2684680848" sldId="256"/>
+        </pc:sldMkLst>
+        <pc:spChg chg="mod">
+          <ac:chgData name="David Harness" userId="00b5c01e-e802-4d63-9d3f-e30c84cf2197" providerId="ADAL" clId="{39BA5A47-C944-40A9-91A8-C0FF6DDD79E8}" dt="2019-06-29T08:50:59.665" v="20" actId="20577"/>
+          <ac:spMkLst>
+            <pc:docMk/>
+            <pc:sldMk cId="2684680848" sldId="256"/>
+            <ac:spMk id="6" creationId="{7DC39D8A-0CAF-4715-9972-B917BE14DC3C}"/>
+          </ac:spMkLst>
+        </pc:spChg>
+      </pc:sldChg>
+      <pc:sldChg chg="modSp">
+        <pc:chgData name="David Harness" userId="00b5c01e-e802-4d63-9d3f-e30c84cf2197" providerId="ADAL" clId="{39BA5A47-C944-40A9-91A8-C0FF6DDD79E8}" dt="2019-06-29T08:50:37.860" v="9" actId="20577"/>
+        <pc:sldMkLst>
+          <pc:docMk/>
+          <pc:sldMk cId="280506541" sldId="257"/>
+        </pc:sldMkLst>
+        <pc:spChg chg="mod">
+          <ac:chgData name="David Harness" userId="00b5c01e-e802-4d63-9d3f-e30c84cf2197" providerId="ADAL" clId="{39BA5A47-C944-40A9-91A8-C0FF6DDD79E8}" dt="2019-06-29T08:50:37.860" v="9" actId="20577"/>
+          <ac:spMkLst>
+            <pc:docMk/>
+            <pc:sldMk cId="280506541" sldId="257"/>
+            <ac:spMk id="6" creationId="{7DC39D8A-0CAF-4715-9972-B917BE14DC3C}"/>
+          </ac:spMkLst>
+        </pc:spChg>
+      </pc:sldChg>
+      <pc:sldChg chg="modSp">
+        <pc:chgData name="David Harness" userId="00b5c01e-e802-4d63-9d3f-e30c84cf2197" providerId="ADAL" clId="{39BA5A47-C944-40A9-91A8-C0FF6DDD79E8}" dt="2019-06-29T08:50:42.899" v="11" actId="20577"/>
+        <pc:sldMkLst>
+          <pc:docMk/>
+          <pc:sldMk cId="3521531160" sldId="258"/>
+        </pc:sldMkLst>
+        <pc:spChg chg="mod">
+          <ac:chgData name="David Harness" userId="00b5c01e-e802-4d63-9d3f-e30c84cf2197" providerId="ADAL" clId="{39BA5A47-C944-40A9-91A8-C0FF6DDD79E8}" dt="2019-06-29T08:50:42.899" v="11" actId="20577"/>
+          <ac:spMkLst>
+            <pc:docMk/>
+            <pc:sldMk cId="3521531160" sldId="258"/>
+            <ac:spMk id="6" creationId="{7DC39D8A-0CAF-4715-9972-B917BE14DC3C}"/>
+          </ac:spMkLst>
+        </pc:spChg>
+      </pc:sldChg>
+      <pc:sldChg chg="modSp">
+        <pc:chgData name="David Harness" userId="00b5c01e-e802-4d63-9d3f-e30c84cf2197" providerId="ADAL" clId="{39BA5A47-C944-40A9-91A8-C0FF6DDD79E8}" dt="2019-06-29T08:53:22.874" v="32" actId="20577"/>
+        <pc:sldMkLst>
+          <pc:docMk/>
+          <pc:sldMk cId="4039338613" sldId="259"/>
+        </pc:sldMkLst>
+        <pc:spChg chg="mod">
+          <ac:chgData name="David Harness" userId="00b5c01e-e802-4d63-9d3f-e30c84cf2197" providerId="ADAL" clId="{39BA5A47-C944-40A9-91A8-C0FF6DDD79E8}" dt="2019-06-29T08:53:22.874" v="32" actId="20577"/>
+          <ac:spMkLst>
+            <pc:docMk/>
+            <pc:sldMk cId="4039338613" sldId="259"/>
+            <ac:spMk id="6" creationId="{7DC39D8A-0CAF-4715-9972-B917BE14DC3C}"/>
+          </ac:spMkLst>
+        </pc:spChg>
+      </pc:sldChg>
+      <pc:sldChg chg="modSp">
+        <pc:chgData name="David Harness" userId="00b5c01e-e802-4d63-9d3f-e30c84cf2197" providerId="ADAL" clId="{39BA5A47-C944-40A9-91A8-C0FF6DDD79E8}" dt="2019-06-29T08:59:52.724" v="67" actId="20577"/>
         <pc:sldMkLst>
           <pc:docMk/>
           <pc:sldMk cId="89601357" sldId="260"/>
         </pc:sldMkLst>
+        <pc:spChg chg="mod">
+          <ac:chgData name="David Harness" userId="00b5c01e-e802-4d63-9d3f-e30c84cf2197" providerId="ADAL" clId="{39BA5A47-C944-40A9-91A8-C0FF6DDD79E8}" dt="2019-06-29T08:59:52.724" v="67" actId="20577"/>
+          <ac:spMkLst>
+            <pc:docMk/>
+            <pc:sldMk cId="89601357" sldId="260"/>
+            <ac:spMk id="6" creationId="{7DC39D8A-0CAF-4715-9972-B917BE14DC3C}"/>
+          </ac:spMkLst>
+        </pc:spChg>
         <pc:picChg chg="mod">
           <ac:chgData name="David Harness" userId="00b5c01e-e802-4d63-9d3f-e30c84cf2197" providerId="ADAL" clId="{39BA5A47-C944-40A9-91A8-C0FF6DDD79E8}" dt="2019-06-29T05:54:49.175" v="3" actId="1076"/>
           <ac:picMkLst>
@@ -147,11 +216,49 @@
         </pc:picChg>
       </pc:sldChg>
       <pc:sldChg chg="modSp">
-        <pc:chgData name="David Harness" userId="00b5c01e-e802-4d63-9d3f-e30c84cf2197" providerId="ADAL" clId="{39BA5A47-C944-40A9-91A8-C0FF6DDD79E8}" dt="2019-06-29T05:54:41.493" v="1" actId="1076"/>
+        <pc:chgData name="David Harness" userId="00b5c01e-e802-4d63-9d3f-e30c84cf2197" providerId="ADAL" clId="{39BA5A47-C944-40A9-91A8-C0FF6DDD79E8}" dt="2019-06-29T08:52:30.418" v="29" actId="20577"/>
+        <pc:sldMkLst>
+          <pc:docMk/>
+          <pc:sldMk cId="3570389592" sldId="261"/>
+        </pc:sldMkLst>
+        <pc:spChg chg="mod">
+          <ac:chgData name="David Harness" userId="00b5c01e-e802-4d63-9d3f-e30c84cf2197" providerId="ADAL" clId="{39BA5A47-C944-40A9-91A8-C0FF6DDD79E8}" dt="2019-06-29T08:52:30.418" v="29" actId="20577"/>
+          <ac:spMkLst>
+            <pc:docMk/>
+            <pc:sldMk cId="3570389592" sldId="261"/>
+            <ac:spMk id="6" creationId="{7DC39D8A-0CAF-4715-9972-B917BE14DC3C}"/>
+          </ac:spMkLst>
+        </pc:spChg>
+      </pc:sldChg>
+      <pc:sldChg chg="modSp">
+        <pc:chgData name="David Harness" userId="00b5c01e-e802-4d63-9d3f-e30c84cf2197" providerId="ADAL" clId="{39BA5A47-C944-40A9-91A8-C0FF6DDD79E8}" dt="2019-06-29T08:54:30.295" v="38" actId="20577"/>
+        <pc:sldMkLst>
+          <pc:docMk/>
+          <pc:sldMk cId="1488611464" sldId="262"/>
+        </pc:sldMkLst>
+        <pc:spChg chg="mod">
+          <ac:chgData name="David Harness" userId="00b5c01e-e802-4d63-9d3f-e30c84cf2197" providerId="ADAL" clId="{39BA5A47-C944-40A9-91A8-C0FF6DDD79E8}" dt="2019-06-29T08:54:30.295" v="38" actId="20577"/>
+          <ac:spMkLst>
+            <pc:docMk/>
+            <pc:sldMk cId="1488611464" sldId="262"/>
+            <ac:spMk id="6" creationId="{7DC39D8A-0CAF-4715-9972-B917BE14DC3C}"/>
+          </ac:spMkLst>
+        </pc:spChg>
+      </pc:sldChg>
+      <pc:sldChg chg="modSp">
+        <pc:chgData name="David Harness" userId="00b5c01e-e802-4d63-9d3f-e30c84cf2197" providerId="ADAL" clId="{39BA5A47-C944-40A9-91A8-C0FF6DDD79E8}" dt="2019-06-29T08:59:05.705" v="58" actId="20577"/>
         <pc:sldMkLst>
           <pc:docMk/>
           <pc:sldMk cId="3904061674" sldId="263"/>
         </pc:sldMkLst>
+        <pc:spChg chg="mod">
+          <ac:chgData name="David Harness" userId="00b5c01e-e802-4d63-9d3f-e30c84cf2197" providerId="ADAL" clId="{39BA5A47-C944-40A9-91A8-C0FF6DDD79E8}" dt="2019-06-29T08:59:05.705" v="58" actId="20577"/>
+          <ac:spMkLst>
+            <pc:docMk/>
+            <pc:sldMk cId="3904061674" sldId="263"/>
+            <ac:spMk id="6" creationId="{7DC39D8A-0CAF-4715-9972-B917BE14DC3C}"/>
+          </ac:spMkLst>
+        </pc:spChg>
         <pc:grpChg chg="mod">
           <ac:chgData name="David Harness" userId="00b5c01e-e802-4d63-9d3f-e30c84cf2197" providerId="ADAL" clId="{39BA5A47-C944-40A9-91A8-C0FF6DDD79E8}" dt="2019-06-29T05:54:41.493" v="1" actId="1076"/>
           <ac:grpSpMkLst>
@@ -162,11 +269,34 @@
         </pc:grpChg>
       </pc:sldChg>
       <pc:sldChg chg="modSp">
-        <pc:chgData name="David Harness" userId="00b5c01e-e802-4d63-9d3f-e30c84cf2197" providerId="ADAL" clId="{39BA5A47-C944-40A9-91A8-C0FF6DDD79E8}" dt="2019-06-29T05:54:38.133" v="0" actId="1076"/>
+        <pc:chgData name="David Harness" userId="00b5c01e-e802-4d63-9d3f-e30c84cf2197" providerId="ADAL" clId="{39BA5A47-C944-40A9-91A8-C0FF6DDD79E8}" dt="2019-06-29T08:54:15.537" v="35" actId="20577"/>
+        <pc:sldMkLst>
+          <pc:docMk/>
+          <pc:sldMk cId="4229190376" sldId="264"/>
+        </pc:sldMkLst>
+        <pc:spChg chg="mod">
+          <ac:chgData name="David Harness" userId="00b5c01e-e802-4d63-9d3f-e30c84cf2197" providerId="ADAL" clId="{39BA5A47-C944-40A9-91A8-C0FF6DDD79E8}" dt="2019-06-29T08:54:15.537" v="35" actId="20577"/>
+          <ac:spMkLst>
+            <pc:docMk/>
+            <pc:sldMk cId="4229190376" sldId="264"/>
+            <ac:spMk id="6" creationId="{7DC39D8A-0CAF-4715-9972-B917BE14DC3C}"/>
+          </ac:spMkLst>
+        </pc:spChg>
+      </pc:sldChg>
+      <pc:sldChg chg="modSp">
+        <pc:chgData name="David Harness" userId="00b5c01e-e802-4d63-9d3f-e30c84cf2197" providerId="ADAL" clId="{39BA5A47-C944-40A9-91A8-C0FF6DDD79E8}" dt="2019-06-29T08:57:55.393" v="55" actId="20577"/>
         <pc:sldMkLst>
           <pc:docMk/>
           <pc:sldMk cId="4294671296" sldId="265"/>
         </pc:sldMkLst>
+        <pc:spChg chg="mod">
+          <ac:chgData name="David Harness" userId="00b5c01e-e802-4d63-9d3f-e30c84cf2197" providerId="ADAL" clId="{39BA5A47-C944-40A9-91A8-C0FF6DDD79E8}" dt="2019-06-29T08:57:55.393" v="55" actId="20577"/>
+          <ac:spMkLst>
+            <pc:docMk/>
+            <pc:sldMk cId="4294671296" sldId="265"/>
+            <ac:spMk id="6" creationId="{7DC39D8A-0CAF-4715-9972-B917BE14DC3C}"/>
+          </ac:spMkLst>
+        </pc:spChg>
         <pc:picChg chg="mod">
           <ac:chgData name="David Harness" userId="00b5c01e-e802-4d63-9d3f-e30c84cf2197" providerId="ADAL" clId="{39BA5A47-C944-40A9-91A8-C0FF6DDD79E8}" dt="2019-06-29T05:54:38.133" v="0" actId="1076"/>
           <ac:picMkLst>
@@ -177,17 +307,64 @@
         </pc:picChg>
       </pc:sldChg>
       <pc:sldChg chg="modSp">
-        <pc:chgData name="David Harness" userId="00b5c01e-e802-4d63-9d3f-e30c84cf2197" providerId="ADAL" clId="{39BA5A47-C944-40A9-91A8-C0FF6DDD79E8}" dt="2019-06-29T05:54:44.821" v="2" actId="1076"/>
+        <pc:chgData name="David Harness" userId="00b5c01e-e802-4d63-9d3f-e30c84cf2197" providerId="ADAL" clId="{39BA5A47-C944-40A9-91A8-C0FF6DDD79E8}" dt="2019-06-29T08:59:14.430" v="61" actId="20577"/>
         <pc:sldMkLst>
           <pc:docMk/>
           <pc:sldMk cId="2750239602" sldId="266"/>
         </pc:sldMkLst>
+        <pc:spChg chg="mod">
+          <ac:chgData name="David Harness" userId="00b5c01e-e802-4d63-9d3f-e30c84cf2197" providerId="ADAL" clId="{39BA5A47-C944-40A9-91A8-C0FF6DDD79E8}" dt="2019-06-29T08:59:14.430" v="61" actId="20577"/>
+          <ac:spMkLst>
+            <pc:docMk/>
+            <pc:sldMk cId="2750239602" sldId="266"/>
+            <ac:spMk id="6" creationId="{7DC39D8A-0CAF-4715-9972-B917BE14DC3C}"/>
+          </ac:spMkLst>
+        </pc:spChg>
         <pc:picChg chg="mod">
           <ac:chgData name="David Harness" userId="00b5c01e-e802-4d63-9d3f-e30c84cf2197" providerId="ADAL" clId="{39BA5A47-C944-40A9-91A8-C0FF6DDD79E8}" dt="2019-06-29T05:54:44.821" v="2" actId="1076"/>
           <ac:picMkLst>
             <pc:docMk/>
             <pc:sldMk cId="2750239602" sldId="266"/>
             <ac:picMk id="11268" creationId="{3E6B79F4-2883-4F6E-A5FD-A6A15949465C}"/>
+          </ac:picMkLst>
+        </pc:picChg>
+      </pc:sldChg>
+      <pc:sldChg chg="addSp delSp modSp add">
+        <pc:chgData name="David Harness" userId="00b5c01e-e802-4d63-9d3f-e30c84cf2197" providerId="ADAL" clId="{39BA5A47-C944-40A9-91A8-C0FF6DDD79E8}" dt="2019-06-29T08:56:43.796" v="53" actId="20577"/>
+        <pc:sldMkLst>
+          <pc:docMk/>
+          <pc:sldMk cId="2671236414" sldId="267"/>
+        </pc:sldMkLst>
+        <pc:spChg chg="mod">
+          <ac:chgData name="David Harness" userId="00b5c01e-e802-4d63-9d3f-e30c84cf2197" providerId="ADAL" clId="{39BA5A47-C944-40A9-91A8-C0FF6DDD79E8}" dt="2019-06-29T08:56:24.613" v="48" actId="207"/>
+          <ac:spMkLst>
+            <pc:docMk/>
+            <pc:sldMk cId="2671236414" sldId="267"/>
+            <ac:spMk id="4" creationId="{8D6D9DF0-36ED-4863-B918-F6735D13A7C1}"/>
+          </ac:spMkLst>
+        </pc:spChg>
+        <pc:spChg chg="mod">
+          <ac:chgData name="David Harness" userId="00b5c01e-e802-4d63-9d3f-e30c84cf2197" providerId="ADAL" clId="{39BA5A47-C944-40A9-91A8-C0FF6DDD79E8}" dt="2019-06-29T08:56:43.796" v="53" actId="20577"/>
+          <ac:spMkLst>
+            <pc:docMk/>
+            <pc:sldMk cId="2671236414" sldId="267"/>
+            <ac:spMk id="6" creationId="{7DC39D8A-0CAF-4715-9972-B917BE14DC3C}"/>
+          </ac:spMkLst>
+        </pc:spChg>
+        <pc:picChg chg="add mod">
+          <ac:chgData name="David Harness" userId="00b5c01e-e802-4d63-9d3f-e30c84cf2197" providerId="ADAL" clId="{39BA5A47-C944-40A9-91A8-C0FF6DDD79E8}" dt="2019-06-29T08:56:17.278" v="47"/>
+          <ac:picMkLst>
+            <pc:docMk/>
+            <pc:sldMk cId="2671236414" sldId="267"/>
+            <ac:picMk id="1026" creationId="{4FCD3523-3FAA-4279-8AF8-B0689AF94EE5}"/>
+          </ac:picMkLst>
+        </pc:picChg>
+        <pc:picChg chg="del">
+          <ac:chgData name="David Harness" userId="00b5c01e-e802-4d63-9d3f-e30c84cf2197" providerId="ADAL" clId="{39BA5A47-C944-40A9-91A8-C0FF6DDD79E8}" dt="2019-06-29T08:55:49.817" v="40" actId="478"/>
+          <ac:picMkLst>
+            <pc:docMk/>
+            <pc:sldMk cId="2671236414" sldId="267"/>
+            <ac:picMk id="5128" creationId="{EC7EF8D8-9A64-4C74-BB72-3D47A2D4924A}"/>
           </ac:picMkLst>
         </pc:picChg>
       </pc:sldChg>
@@ -3150,20 +3327,32 @@
           <a:p>
             <a:pPr algn="r"/>
             <a:r>
+              <a:rPr lang="en-US" sz="4000" dirty="0">
+                <a:solidFill>
+                  <a:schemeClr val="bg1"/>
+                </a:solidFill>
+                <a:latin typeface="Exo 2" panose="00000500000000000000" pitchFamily="50" charset="0"/>
+              </a:rPr>
+              <a:t>5</a:t>
+            </a:r>
+            <a:r>
               <a:rPr lang="id-ID" sz="4000" dirty="0">
                 <a:solidFill>
                   <a:schemeClr val="bg1"/>
                 </a:solidFill>
                 <a:latin typeface="Exo 2" panose="00000500000000000000" pitchFamily="50" charset="0"/>
               </a:rPr>
-              <a:t>0.00</a:t>
-            </a:r>
-            <a:endParaRPr lang="en-US" sz="4000" dirty="0">
-              <a:solidFill>
-                <a:schemeClr val="bg1"/>
-              </a:solidFill>
-              <a:latin typeface="Exo 2" panose="00000500000000000000" pitchFamily="50" charset="0"/>
-            </a:endParaRPr>
+              <a:t>.</a:t>
+            </a:r>
+            <a:r>
+              <a:rPr lang="en-US" sz="4000" dirty="0">
+                <a:solidFill>
+                  <a:schemeClr val="bg1"/>
+                </a:solidFill>
+                <a:latin typeface="Exo 2" panose="00000500000000000000" pitchFamily="50" charset="0"/>
+              </a:rPr>
+              <a:t>49</a:t>
+            </a:r>
           </a:p>
         </p:txBody>
       </p:sp>
@@ -3280,6 +3469,211 @@
           </a:prstGeom>
           <a:gradFill flip="none" rotWithShape="1">
             <a:gsLst>
+              <a:gs pos="0">
+                <a:srgbClr val="111111"/>
+              </a:gs>
+              <a:gs pos="100000">
+                <a:srgbClr val="540000"/>
+              </a:gs>
+            </a:gsLst>
+            <a:lin ang="2700000" scaled="0"/>
+            <a:tileRect/>
+          </a:gradFill>
+          <a:ln>
+            <a:noFill/>
+          </a:ln>
+        </p:spPr>
+        <p:style>
+          <a:lnRef idx="2">
+            <a:schemeClr val="accent1">
+              <a:shade val="50000"/>
+            </a:schemeClr>
+          </a:lnRef>
+          <a:fillRef idx="1">
+            <a:schemeClr val="accent1"/>
+          </a:fillRef>
+          <a:effectRef idx="0">
+            <a:schemeClr val="accent1"/>
+          </a:effectRef>
+          <a:fontRef idx="minor">
+            <a:schemeClr val="lt1"/>
+          </a:fontRef>
+        </p:style>
+        <p:txBody>
+          <a:bodyPr rtlCol="0" anchor="ctr"/>
+          <a:lstStyle/>
+          <a:p>
+            <a:pPr algn="ctr"/>
+            <a:endParaRPr lang="en-US"/>
+          </a:p>
+        </p:txBody>
+      </p:sp>
+      <p:sp>
+        <p:nvSpPr>
+          <p:cNvPr id="6" name="TextBox 5">
+            <a:extLst>
+              <a:ext uri="{FF2B5EF4-FFF2-40B4-BE49-F238E27FC236}">
+                <a16:creationId xmlns:a16="http://schemas.microsoft.com/office/drawing/2014/main" id="{7DC39D8A-0CAF-4715-9972-B917BE14DC3C}"/>
+              </a:ext>
+            </a:extLst>
+          </p:cNvPr>
+          <p:cNvSpPr txBox="1"/>
+          <p:nvPr/>
+        </p:nvSpPr>
+        <p:spPr>
+          <a:xfrm>
+            <a:off x="1276351" y="239781"/>
+            <a:ext cx="2059573" cy="707886"/>
+          </a:xfrm>
+          <a:prstGeom prst="rect">
+            <a:avLst/>
+          </a:prstGeom>
+          <a:noFill/>
+        </p:spPr>
+        <p:txBody>
+          <a:bodyPr wrap="square" rtlCol="0">
+            <a:spAutoFit/>
+          </a:bodyPr>
+          <a:lstStyle/>
+          <a:p>
+            <a:pPr algn="r"/>
+            <a:r>
+              <a:rPr lang="en-US" sz="4000" dirty="0">
+                <a:solidFill>
+                  <a:schemeClr val="bg1"/>
+                </a:solidFill>
+                <a:latin typeface="Exo 2" panose="00000500000000000000" pitchFamily="50" charset="0"/>
+              </a:rPr>
+              <a:t>60</a:t>
+            </a:r>
+            <a:r>
+              <a:rPr lang="id-ID" sz="4000" dirty="0">
+                <a:solidFill>
+                  <a:schemeClr val="bg1"/>
+                </a:solidFill>
+                <a:latin typeface="Exo 2" panose="00000500000000000000" pitchFamily="50" charset="0"/>
+              </a:rPr>
+              <a:t>%</a:t>
+            </a:r>
+            <a:endParaRPr lang="en-US" sz="4000" dirty="0">
+              <a:solidFill>
+                <a:schemeClr val="bg1"/>
+              </a:solidFill>
+              <a:latin typeface="Exo 2" panose="00000500000000000000" pitchFamily="50" charset="0"/>
+            </a:endParaRPr>
+          </a:p>
+        </p:txBody>
+      </p:sp>
+      <p:pic>
+        <p:nvPicPr>
+          <p:cNvPr id="9218" name="Picture 2" descr="https://walter.trakt.tv/hotlink-ok/public/apple-touch-icon.png">
+            <a:extLst>
+              <a:ext uri="{FF2B5EF4-FFF2-40B4-BE49-F238E27FC236}">
+                <a16:creationId xmlns:a16="http://schemas.microsoft.com/office/drawing/2014/main" id="{B75D8051-CECC-404F-97F7-A485FDA3D0AA}"/>
+              </a:ext>
+            </a:extLst>
+          </p:cNvPr>
+          <p:cNvPicPr>
+            <a:picLocks noChangeAspect="1" noChangeArrowheads="1"/>
+          </p:cNvPicPr>
+          <p:nvPr/>
+        </p:nvPicPr>
+        <p:blipFill>
+          <a:blip r:embed="rId2">
+            <a:extLst>
+              <a:ext uri="{BEBA8EAE-BF5A-486C-A8C5-ECC9F3942E4B}">
+                <a14:imgProps xmlns:a14="http://schemas.microsoft.com/office/drawing/2010/main">
+                  <a14:imgLayer r:embed="rId3">
+                    <a14:imgEffect>
+                      <a14:backgroundRemoval t="10000" b="90000" l="10000" r="90000"/>
+                    </a14:imgEffect>
+                  </a14:imgLayer>
+                </a14:imgProps>
+              </a:ext>
+              <a:ext uri="{28A0092B-C50C-407E-A947-70E740481C1C}">
+                <a14:useLocalDpi xmlns:a14="http://schemas.microsoft.com/office/drawing/2010/main" val="0"/>
+              </a:ext>
+            </a:extLst>
+          </a:blip>
+          <a:srcRect/>
+          <a:stretch>
+            <a:fillRect/>
+          </a:stretch>
+        </p:blipFill>
+        <p:spPr bwMode="auto">
+          <a:xfrm>
+            <a:off x="228014" y="17325"/>
+            <a:ext cx="1152798" cy="1152798"/>
+          </a:xfrm>
+          <a:prstGeom prst="rect">
+            <a:avLst/>
+          </a:prstGeom>
+          <a:noFill/>
+          <a:extLst>
+            <a:ext uri="{909E8E84-426E-40DD-AFC4-6F175D3DCCD1}">
+              <a14:hiddenFill xmlns:a14="http://schemas.microsoft.com/office/drawing/2010/main">
+                <a:solidFill>
+                  <a:srgbClr val="FFFFFF"/>
+                </a:solidFill>
+              </a14:hiddenFill>
+            </a:ext>
+          </a:extLst>
+        </p:spPr>
+      </p:pic>
+    </p:spTree>
+    <p:extLst>
+      <p:ext uri="{BB962C8B-B14F-4D97-AF65-F5344CB8AC3E}">
+        <p14:creationId xmlns:p14="http://schemas.microsoft.com/office/powerpoint/2010/main" val="4294671296"/>
+      </p:ext>
+    </p:extLst>
+  </p:cSld>
+  <p:clrMapOvr>
+    <a:masterClrMapping/>
+  </p:clrMapOvr>
+</p:sld>
+</file>
+
+<file path=ppt/slides/slide11.xml><?xml version="1.0" encoding="utf-8"?>
+<p:sld xmlns:a="http://schemas.openxmlformats.org/drawingml/2006/main" xmlns:r="http://schemas.openxmlformats.org/officeDocument/2006/relationships" xmlns:p="http://schemas.openxmlformats.org/presentationml/2006/main">
+  <p:cSld>
+    <p:spTree>
+      <p:nvGrpSpPr>
+        <p:cNvPr id="1" name=""/>
+        <p:cNvGrpSpPr/>
+        <p:nvPr/>
+      </p:nvGrpSpPr>
+      <p:grpSpPr>
+        <a:xfrm>
+          <a:off x="0" y="0"/>
+          <a:ext cx="0" cy="0"/>
+          <a:chOff x="0" y="0"/>
+          <a:chExt cx="0" cy="0"/>
+        </a:xfrm>
+      </p:grpSpPr>
+      <p:sp>
+        <p:nvSpPr>
+          <p:cNvPr id="4" name="Rectangle: Rounded Corners 3">
+            <a:extLst>
+              <a:ext uri="{FF2B5EF4-FFF2-40B4-BE49-F238E27FC236}">
+                <a16:creationId xmlns:a16="http://schemas.microsoft.com/office/drawing/2014/main" id="{8D6D9DF0-36ED-4863-B918-F6735D13A7C1}"/>
+              </a:ext>
+            </a:extLst>
+          </p:cNvPr>
+          <p:cNvSpPr/>
+          <p:nvPr/>
+        </p:nvSpPr>
+        <p:spPr>
+          <a:xfrm>
+            <a:off x="0" y="0"/>
+            <a:ext cx="3563938" cy="1187450"/>
+          </a:xfrm>
+          <a:prstGeom prst="roundRect">
+            <a:avLst>
+              <a:gd name="adj" fmla="val 50000"/>
+            </a:avLst>
+          </a:prstGeom>
+          <a:gradFill flip="none" rotWithShape="1">
+            <a:gsLst>
               <a:gs pos="67000">
                 <a:schemeClr val="accent4">
                   <a:lumMod val="50000"/>
@@ -3356,20 +3750,14 @@
           <a:p>
             <a:pPr algn="r"/>
             <a:r>
-              <a:rPr lang="id-ID" sz="4000" dirty="0">
+              <a:rPr lang="en-US" sz="4000" dirty="0">
                 <a:solidFill>
                   <a:schemeClr val="bg1"/>
                 </a:solidFill>
                 <a:latin typeface="Exo 2" panose="00000500000000000000" pitchFamily="50" charset="0"/>
               </a:rPr>
-              <a:t>0.00</a:t>
-            </a:r>
-            <a:endParaRPr lang="en-US" sz="4000" dirty="0">
-              <a:solidFill>
-                <a:schemeClr val="bg1"/>
-              </a:solidFill>
-              <a:latin typeface="Exo 2" panose="00000500000000000000" pitchFamily="50" charset="0"/>
-            </a:endParaRPr>
+              <a:t>5.6</a:t>
+            </a:r>
           </a:p>
         </p:txBody>
       </p:sp>
@@ -3521,7 +3909,7 @@
 </p:sld>
 </file>
 
-<file path=ppt/slides/slide11.xml><?xml version="1.0" encoding="utf-8"?>
+<file path=ppt/slides/slide12.xml><?xml version="1.0" encoding="utf-8"?>
 <p:sld xmlns:a="http://schemas.openxmlformats.org/drawingml/2006/main" xmlns:r="http://schemas.openxmlformats.org/officeDocument/2006/relationships" xmlns:p="http://schemas.openxmlformats.org/presentationml/2006/main">
   <p:cSld>
     <p:spTree>
@@ -3633,20 +4021,14 @@
           <a:p>
             <a:pPr algn="r"/>
             <a:r>
-              <a:rPr lang="id-ID" sz="4000" dirty="0">
+              <a:rPr lang="en-US" sz="4000" dirty="0">
                 <a:solidFill>
                   <a:schemeClr val="bg1"/>
                 </a:solidFill>
                 <a:latin typeface="Exo 2" panose="00000500000000000000" pitchFamily="50" charset="0"/>
               </a:rPr>
-              <a:t>00</a:t>
-            </a:r>
-            <a:endParaRPr lang="en-US" sz="4000" dirty="0">
-              <a:solidFill>
-                <a:schemeClr val="bg1"/>
-              </a:solidFill>
-              <a:latin typeface="Exo 2" panose="00000500000000000000" pitchFamily="50" charset="0"/>
-            </a:endParaRPr>
+              <a:t>65%</a:t>
+            </a:r>
           </a:p>
         </p:txBody>
       </p:sp>
@@ -3820,13 +4202,22 @@
           <a:p>
             <a:pPr algn="r"/>
             <a:r>
+              <a:rPr lang="en-US" sz="4000" dirty="0">
+                <a:solidFill>
+                  <a:schemeClr val="bg1"/>
+                </a:solidFill>
+                <a:latin typeface="Exo 2" panose="00000500000000000000" pitchFamily="50" charset="0"/>
+              </a:rPr>
+              <a:t>5</a:t>
+            </a:r>
+            <a:r>
               <a:rPr lang="id-ID" sz="4000" dirty="0">
                 <a:solidFill>
                   <a:schemeClr val="bg1"/>
                 </a:solidFill>
                 <a:latin typeface="Exo 2" panose="00000500000000000000" pitchFamily="50" charset="0"/>
               </a:rPr>
-              <a:t>00%</a:t>
+              <a:t>0%</a:t>
             </a:r>
             <a:endParaRPr lang="en-US" sz="4000" dirty="0">
               <a:solidFill>
@@ -4079,13 +4470,40 @@
           <a:p>
             <a:pPr algn="r"/>
             <a:r>
+              <a:rPr lang="en-US" sz="4000" dirty="0">
+                <a:solidFill>
+                  <a:schemeClr val="bg1"/>
+                </a:solidFill>
+                <a:latin typeface="Exo 2" panose="00000500000000000000" pitchFamily="50" charset="0"/>
+              </a:rPr>
+              <a:t>57</a:t>
+            </a:r>
+            <a:r>
               <a:rPr lang="id-ID" sz="4000" dirty="0">
                 <a:solidFill>
                   <a:schemeClr val="bg1"/>
                 </a:solidFill>
                 <a:latin typeface="Exo 2" panose="00000500000000000000" pitchFamily="50" charset="0"/>
               </a:rPr>
-              <a:t>00.0%</a:t>
+              <a:t>.</a:t>
+            </a:r>
+            <a:r>
+              <a:rPr lang="en-US" sz="4000" dirty="0">
+                <a:solidFill>
+                  <a:schemeClr val="bg1"/>
+                </a:solidFill>
+                <a:latin typeface="Exo 2" panose="00000500000000000000" pitchFamily="50" charset="0"/>
+              </a:rPr>
+              <a:t>08</a:t>
+            </a:r>
+            <a:r>
+              <a:rPr lang="id-ID" sz="4000" dirty="0">
+                <a:solidFill>
+                  <a:schemeClr val="bg1"/>
+                </a:solidFill>
+                <a:latin typeface="Exo 2" panose="00000500000000000000" pitchFamily="50" charset="0"/>
+              </a:rPr>
+              <a:t>%</a:t>
             </a:r>
             <a:endParaRPr lang="en-US" sz="4000" dirty="0">
               <a:solidFill>
@@ -4219,20 +4637,14 @@
           <a:p>
             <a:pPr algn="r"/>
             <a:r>
-              <a:rPr lang="id-ID" sz="4000" dirty="0">
+              <a:rPr lang="en-US" sz="4000" dirty="0">
                 <a:solidFill>
                   <a:schemeClr val="bg1"/>
                 </a:solidFill>
                 <a:latin typeface="Exo 2" panose="00000500000000000000" pitchFamily="50" charset="0"/>
               </a:rPr>
-              <a:t>0.00</a:t>
-            </a:r>
-            <a:endParaRPr lang="en-US" sz="4000" dirty="0">
-              <a:solidFill>
-                <a:schemeClr val="bg1"/>
-              </a:solidFill>
-              <a:latin typeface="Exo 2" panose="00000500000000000000" pitchFamily="50" charset="0"/>
-            </a:endParaRPr>
+              <a:t>2.11</a:t>
+            </a:r>
           </a:p>
         </p:txBody>
       </p:sp>
@@ -4406,13 +4818,22 @@
           <a:p>
             <a:pPr algn="r"/>
             <a:r>
+              <a:rPr lang="en-US" sz="4000" dirty="0">
+                <a:solidFill>
+                  <a:schemeClr val="bg1"/>
+                </a:solidFill>
+                <a:latin typeface="Exo 2" panose="00000500000000000000" pitchFamily="50" charset="0"/>
+              </a:rPr>
+              <a:t>2.2</a:t>
+            </a:r>
+            <a:r>
               <a:rPr lang="id-ID" sz="4000" dirty="0">
                 <a:solidFill>
                   <a:schemeClr val="bg1"/>
                 </a:solidFill>
                 <a:latin typeface="Exo 2" panose="00000500000000000000" pitchFamily="50" charset="0"/>
               </a:rPr>
-              <a:t>0.0/5★</a:t>
+              <a:t>/5★</a:t>
             </a:r>
             <a:endParaRPr lang="en-US" sz="4000" dirty="0">
               <a:solidFill>
@@ -4605,13 +5026,22 @@
           <a:p>
             <a:pPr algn="r"/>
             <a:r>
-              <a:rPr lang="id-ID" sz="4000" dirty="0">
+              <a:rPr lang="en-US" sz="4000">
                 <a:solidFill>
                   <a:schemeClr val="bg1"/>
                 </a:solidFill>
                 <a:latin typeface="Exo 2" panose="00000500000000000000" pitchFamily="50" charset="0"/>
               </a:rPr>
-              <a:t>0 ★</a:t>
+              <a:t>4/10</a:t>
+            </a:r>
+            <a:r>
+              <a:rPr lang="id-ID" sz="4000">
+                <a:solidFill>
+                  <a:schemeClr val="bg1"/>
+                </a:solidFill>
+                <a:latin typeface="Exo 2" panose="00000500000000000000" pitchFamily="50" charset="0"/>
+              </a:rPr>
+              <a:t>★</a:t>
             </a:r>
             <a:endParaRPr lang="en-US" sz="4000" dirty="0">
               <a:solidFill>
@@ -4724,6 +5154,196 @@
           <a:gradFill flip="none" rotWithShape="1">
             <a:gsLst>
               <a:gs pos="33000">
+                <a:srgbClr val="F73B56"/>
+              </a:gs>
+              <a:gs pos="100000">
+                <a:srgbClr val="F85B73"/>
+              </a:gs>
+            </a:gsLst>
+            <a:lin ang="2700000" scaled="0"/>
+            <a:tileRect/>
+          </a:gradFill>
+          <a:ln>
+            <a:noFill/>
+          </a:ln>
+        </p:spPr>
+        <p:style>
+          <a:lnRef idx="2">
+            <a:schemeClr val="accent1">
+              <a:shade val="50000"/>
+            </a:schemeClr>
+          </a:lnRef>
+          <a:fillRef idx="1">
+            <a:schemeClr val="accent1"/>
+          </a:fillRef>
+          <a:effectRef idx="0">
+            <a:schemeClr val="accent1"/>
+          </a:effectRef>
+          <a:fontRef idx="minor">
+            <a:schemeClr val="lt1"/>
+          </a:fontRef>
+        </p:style>
+        <p:txBody>
+          <a:bodyPr rtlCol="0" anchor="ctr"/>
+          <a:lstStyle/>
+          <a:p>
+            <a:pPr algn="ctr"/>
+            <a:endParaRPr lang="en-US"/>
+          </a:p>
+        </p:txBody>
+      </p:sp>
+      <p:sp>
+        <p:nvSpPr>
+          <p:cNvPr id="6" name="TextBox 5">
+            <a:extLst>
+              <a:ext uri="{FF2B5EF4-FFF2-40B4-BE49-F238E27FC236}">
+                <a16:creationId xmlns:a16="http://schemas.microsoft.com/office/drawing/2014/main" id="{7DC39D8A-0CAF-4715-9972-B917BE14DC3C}"/>
+              </a:ext>
+            </a:extLst>
+          </p:cNvPr>
+          <p:cNvSpPr txBox="1"/>
+          <p:nvPr/>
+        </p:nvSpPr>
+        <p:spPr>
+          <a:xfrm>
+            <a:off x="1276351" y="239781"/>
+            <a:ext cx="2059573" cy="707886"/>
+          </a:xfrm>
+          <a:prstGeom prst="rect">
+            <a:avLst/>
+          </a:prstGeom>
+          <a:noFill/>
+        </p:spPr>
+        <p:txBody>
+          <a:bodyPr wrap="square" rtlCol="0">
+            <a:spAutoFit/>
+          </a:bodyPr>
+          <a:lstStyle/>
+          <a:p>
+            <a:pPr algn="r"/>
+            <a:r>
+              <a:rPr lang="en-US" sz="4000" dirty="0">
+                <a:solidFill>
+                  <a:schemeClr val="bg1"/>
+                </a:solidFill>
+                <a:latin typeface="Exo 2" panose="00000500000000000000" pitchFamily="50" charset="0"/>
+              </a:rPr>
+              <a:t>N/A</a:t>
+            </a:r>
+          </a:p>
+        </p:txBody>
+      </p:sp>
+      <p:pic>
+        <p:nvPicPr>
+          <p:cNvPr id="1026" name="Picture 2" descr="https://d17jazaimr5n2x.cloudfront.net/packs/images/logos/color-mizuho-e5339b77721858fcd11addd9c1170742.png">
+            <a:extLst>
+              <a:ext uri="{FF2B5EF4-FFF2-40B4-BE49-F238E27FC236}">
+                <a16:creationId xmlns:a16="http://schemas.microsoft.com/office/drawing/2014/main" id="{4FCD3523-3FAA-4279-8AF8-B0689AF94EE5}"/>
+              </a:ext>
+            </a:extLst>
+          </p:cNvPr>
+          <p:cNvPicPr>
+            <a:picLocks noChangeAspect="1" noChangeArrowheads="1"/>
+          </p:cNvPicPr>
+          <p:nvPr/>
+        </p:nvPicPr>
+        <p:blipFill>
+          <a:blip r:embed="rId2">
+            <a:extLst>
+              <a:ext uri="{BEBA8EAE-BF5A-486C-A8C5-ECC9F3942E4B}">
+                <a14:imgProps xmlns:a14="http://schemas.microsoft.com/office/drawing/2010/main">
+                  <a14:imgLayer r:embed="rId3">
+                    <a14:imgEffect>
+                      <a14:brightnessContrast bright="100000"/>
+                    </a14:imgEffect>
+                  </a14:imgLayer>
+                </a14:imgProps>
+              </a:ext>
+              <a:ext uri="{28A0092B-C50C-407E-A947-70E740481C1C}">
+                <a14:useLocalDpi xmlns:a14="http://schemas.microsoft.com/office/drawing/2010/main" val="0"/>
+              </a:ext>
+            </a:extLst>
+          </a:blip>
+          <a:srcRect/>
+          <a:stretch>
+            <a:fillRect/>
+          </a:stretch>
+        </p:blipFill>
+        <p:spPr bwMode="auto">
+          <a:xfrm>
+            <a:off x="463479" y="239781"/>
+            <a:ext cx="584858" cy="707886"/>
+          </a:xfrm>
+          <a:prstGeom prst="rect">
+            <a:avLst/>
+          </a:prstGeom>
+          <a:noFill/>
+          <a:extLst>
+            <a:ext uri="{909E8E84-426E-40DD-AFC4-6F175D3DCCD1}">
+              <a14:hiddenFill xmlns:a14="http://schemas.microsoft.com/office/drawing/2010/main">
+                <a:solidFill>
+                  <a:srgbClr val="FFFFFF"/>
+                </a:solidFill>
+              </a14:hiddenFill>
+            </a:ext>
+          </a:extLst>
+        </p:spPr>
+      </p:pic>
+    </p:spTree>
+    <p:extLst>
+      <p:ext uri="{BB962C8B-B14F-4D97-AF65-F5344CB8AC3E}">
+        <p14:creationId xmlns:p14="http://schemas.microsoft.com/office/powerpoint/2010/main" val="2671236414"/>
+      </p:ext>
+    </p:extLst>
+  </p:cSld>
+  <p:clrMapOvr>
+    <a:masterClrMapping/>
+  </p:clrMapOvr>
+</p:sld>
+</file>
+
+<file path=ppt/slides/slide8.xml><?xml version="1.0" encoding="utf-8"?>
+<p:sld xmlns:a="http://schemas.openxmlformats.org/drawingml/2006/main" xmlns:r="http://schemas.openxmlformats.org/officeDocument/2006/relationships" xmlns:p="http://schemas.openxmlformats.org/presentationml/2006/main">
+  <p:cSld>
+    <p:spTree>
+      <p:nvGrpSpPr>
+        <p:cNvPr id="1" name=""/>
+        <p:cNvGrpSpPr/>
+        <p:nvPr/>
+      </p:nvGrpSpPr>
+      <p:grpSpPr>
+        <a:xfrm>
+          <a:off x="0" y="0"/>
+          <a:ext cx="0" cy="0"/>
+          <a:chOff x="0" y="0"/>
+          <a:chExt cx="0" cy="0"/>
+        </a:xfrm>
+      </p:grpSpPr>
+      <p:sp>
+        <p:nvSpPr>
+          <p:cNvPr id="4" name="Rectangle: Rounded Corners 3">
+            <a:extLst>
+              <a:ext uri="{FF2B5EF4-FFF2-40B4-BE49-F238E27FC236}">
+                <a16:creationId xmlns:a16="http://schemas.microsoft.com/office/drawing/2014/main" id="{8D6D9DF0-36ED-4863-B918-F6735D13A7C1}"/>
+              </a:ext>
+            </a:extLst>
+          </p:cNvPr>
+          <p:cNvSpPr/>
+          <p:nvPr/>
+        </p:nvSpPr>
+        <p:spPr>
+          <a:xfrm>
+            <a:off x="0" y="0"/>
+            <a:ext cx="3563938" cy="1187450"/>
+          </a:xfrm>
+          <a:prstGeom prst="roundRect">
+            <a:avLst>
+              <a:gd name="adj" fmla="val 50000"/>
+            </a:avLst>
+          </a:prstGeom>
+          <a:gradFill flip="none" rotWithShape="1">
+            <a:gsLst>
+              <a:gs pos="33000">
                 <a:srgbClr val="191919"/>
               </a:gs>
               <a:gs pos="100000">
@@ -4792,13 +5412,22 @@
           <a:p>
             <a:pPr algn="r"/>
             <a:r>
+              <a:rPr lang="en-US" sz="4000" dirty="0">
+                <a:solidFill>
+                  <a:schemeClr val="bg1"/>
+                </a:solidFill>
+                <a:latin typeface="Exo 2" panose="00000500000000000000" pitchFamily="50" charset="0"/>
+              </a:rPr>
+              <a:t>5.5</a:t>
+            </a:r>
+            <a:r>
               <a:rPr lang="id-ID" sz="4000" dirty="0">
                 <a:solidFill>
                   <a:schemeClr val="bg1"/>
                 </a:solidFill>
                 <a:latin typeface="Exo 2" panose="00000500000000000000" pitchFamily="50" charset="0"/>
               </a:rPr>
-              <a:t>0.00</a:t>
+              <a:t>0</a:t>
             </a:r>
             <a:endParaRPr lang="en-US" sz="4000" dirty="0">
               <a:solidFill>
@@ -4883,7 +5512,7 @@
 </p:sld>
 </file>
 
-<file path=ppt/slides/slide8.xml><?xml version="1.0" encoding="utf-8"?>
+<file path=ppt/slides/slide9.xml><?xml version="1.0" encoding="utf-8"?>
 <p:sld xmlns:a="http://schemas.openxmlformats.org/drawingml/2006/main" xmlns:r="http://schemas.openxmlformats.org/officeDocument/2006/relationships" xmlns:p="http://schemas.openxmlformats.org/presentationml/2006/main">
   <p:cSld>
     <p:spTree>
@@ -4996,20 +5625,14 @@
           <a:p>
             <a:pPr algn="r"/>
             <a:r>
-              <a:rPr lang="id-ID" sz="4000" dirty="0">
+              <a:rPr lang="en-US" sz="4000" dirty="0">
                 <a:solidFill>
                   <a:schemeClr val="bg1"/>
                 </a:solidFill>
                 <a:latin typeface="Exo 2" panose="00000500000000000000" pitchFamily="50" charset="0"/>
               </a:rPr>
-              <a:t>0.0</a:t>
-            </a:r>
-            <a:endParaRPr lang="en-US" sz="4000" dirty="0">
-              <a:solidFill>
-                <a:schemeClr val="bg1"/>
-              </a:solidFill>
-              <a:latin typeface="Exo 2" panose="00000500000000000000" pitchFamily="50" charset="0"/>
-            </a:endParaRPr>
+              <a:t>5.1</a:t>
+            </a:r>
           </a:p>
         </p:txBody>
       </p:sp>
@@ -5099,202 +5722,6 @@
     <p:extLst>
       <p:ext uri="{BB962C8B-B14F-4D97-AF65-F5344CB8AC3E}">
         <p14:creationId xmlns:p14="http://schemas.microsoft.com/office/powerpoint/2010/main" val="4229190376"/>
-      </p:ext>
-    </p:extLst>
-  </p:cSld>
-  <p:clrMapOvr>
-    <a:masterClrMapping/>
-  </p:clrMapOvr>
-</p:sld>
-</file>
-
-<file path=ppt/slides/slide9.xml><?xml version="1.0" encoding="utf-8"?>
-<p:sld xmlns:a="http://schemas.openxmlformats.org/drawingml/2006/main" xmlns:r="http://schemas.openxmlformats.org/officeDocument/2006/relationships" xmlns:p="http://schemas.openxmlformats.org/presentationml/2006/main">
-  <p:cSld>
-    <p:spTree>
-      <p:nvGrpSpPr>
-        <p:cNvPr id="1" name=""/>
-        <p:cNvGrpSpPr/>
-        <p:nvPr/>
-      </p:nvGrpSpPr>
-      <p:grpSpPr>
-        <a:xfrm>
-          <a:off x="0" y="0"/>
-          <a:ext cx="0" cy="0"/>
-          <a:chOff x="0" y="0"/>
-          <a:chExt cx="0" cy="0"/>
-        </a:xfrm>
-      </p:grpSpPr>
-      <p:sp>
-        <p:nvSpPr>
-          <p:cNvPr id="4" name="Rectangle: Rounded Corners 3">
-            <a:extLst>
-              <a:ext uri="{FF2B5EF4-FFF2-40B4-BE49-F238E27FC236}">
-                <a16:creationId xmlns:a16="http://schemas.microsoft.com/office/drawing/2014/main" id="{8D6D9DF0-36ED-4863-B918-F6735D13A7C1}"/>
-              </a:ext>
-            </a:extLst>
-          </p:cNvPr>
-          <p:cNvSpPr/>
-          <p:nvPr/>
-        </p:nvSpPr>
-        <p:spPr>
-          <a:xfrm>
-            <a:off x="0" y="0"/>
-            <a:ext cx="3563938" cy="1187450"/>
-          </a:xfrm>
-          <a:prstGeom prst="roundRect">
-            <a:avLst>
-              <a:gd name="adj" fmla="val 50000"/>
-            </a:avLst>
-          </a:prstGeom>
-          <a:gradFill flip="none" rotWithShape="1">
-            <a:gsLst>
-              <a:gs pos="0">
-                <a:srgbClr val="111111"/>
-              </a:gs>
-              <a:gs pos="100000">
-                <a:srgbClr val="540000"/>
-              </a:gs>
-            </a:gsLst>
-            <a:lin ang="2700000" scaled="0"/>
-            <a:tileRect/>
-          </a:gradFill>
-          <a:ln>
-            <a:noFill/>
-          </a:ln>
-        </p:spPr>
-        <p:style>
-          <a:lnRef idx="2">
-            <a:schemeClr val="accent1">
-              <a:shade val="50000"/>
-            </a:schemeClr>
-          </a:lnRef>
-          <a:fillRef idx="1">
-            <a:schemeClr val="accent1"/>
-          </a:fillRef>
-          <a:effectRef idx="0">
-            <a:schemeClr val="accent1"/>
-          </a:effectRef>
-          <a:fontRef idx="minor">
-            <a:schemeClr val="lt1"/>
-          </a:fontRef>
-        </p:style>
-        <p:txBody>
-          <a:bodyPr rtlCol="0" anchor="ctr"/>
-          <a:lstStyle/>
-          <a:p>
-            <a:pPr algn="ctr"/>
-            <a:endParaRPr lang="en-US"/>
-          </a:p>
-        </p:txBody>
-      </p:sp>
-      <p:sp>
-        <p:nvSpPr>
-          <p:cNvPr id="6" name="TextBox 5">
-            <a:extLst>
-              <a:ext uri="{FF2B5EF4-FFF2-40B4-BE49-F238E27FC236}">
-                <a16:creationId xmlns:a16="http://schemas.microsoft.com/office/drawing/2014/main" id="{7DC39D8A-0CAF-4715-9972-B917BE14DC3C}"/>
-              </a:ext>
-            </a:extLst>
-          </p:cNvPr>
-          <p:cNvSpPr txBox="1"/>
-          <p:nvPr/>
-        </p:nvSpPr>
-        <p:spPr>
-          <a:xfrm>
-            <a:off x="1276351" y="239781"/>
-            <a:ext cx="2059573" cy="707886"/>
-          </a:xfrm>
-          <a:prstGeom prst="rect">
-            <a:avLst/>
-          </a:prstGeom>
-          <a:noFill/>
-        </p:spPr>
-        <p:txBody>
-          <a:bodyPr wrap="square" rtlCol="0">
-            <a:spAutoFit/>
-          </a:bodyPr>
-          <a:lstStyle/>
-          <a:p>
-            <a:pPr algn="r"/>
-            <a:r>
-              <a:rPr lang="id-ID" sz="4000" dirty="0">
-                <a:solidFill>
-                  <a:schemeClr val="bg1"/>
-                </a:solidFill>
-                <a:latin typeface="Exo 2" panose="00000500000000000000" pitchFamily="50" charset="0"/>
-              </a:rPr>
-              <a:t>00%</a:t>
-            </a:r>
-            <a:endParaRPr lang="en-US" sz="4000" dirty="0">
-              <a:solidFill>
-                <a:schemeClr val="bg1"/>
-              </a:solidFill>
-              <a:latin typeface="Exo 2" panose="00000500000000000000" pitchFamily="50" charset="0"/>
-            </a:endParaRPr>
-          </a:p>
-        </p:txBody>
-      </p:sp>
-      <p:pic>
-        <p:nvPicPr>
-          <p:cNvPr id="9218" name="Picture 2" descr="https://walter.trakt.tv/hotlink-ok/public/apple-touch-icon.png">
-            <a:extLst>
-              <a:ext uri="{FF2B5EF4-FFF2-40B4-BE49-F238E27FC236}">
-                <a16:creationId xmlns:a16="http://schemas.microsoft.com/office/drawing/2014/main" id="{B75D8051-CECC-404F-97F7-A485FDA3D0AA}"/>
-              </a:ext>
-            </a:extLst>
-          </p:cNvPr>
-          <p:cNvPicPr>
-            <a:picLocks noChangeAspect="1" noChangeArrowheads="1"/>
-          </p:cNvPicPr>
-          <p:nvPr/>
-        </p:nvPicPr>
-        <p:blipFill>
-          <a:blip r:embed="rId2">
-            <a:extLst>
-              <a:ext uri="{BEBA8EAE-BF5A-486C-A8C5-ECC9F3942E4B}">
-                <a14:imgProps xmlns:a14="http://schemas.microsoft.com/office/drawing/2010/main">
-                  <a14:imgLayer r:embed="rId3">
-                    <a14:imgEffect>
-                      <a14:backgroundRemoval t="10000" b="90000" l="10000" r="90000"/>
-                    </a14:imgEffect>
-                  </a14:imgLayer>
-                </a14:imgProps>
-              </a:ext>
-              <a:ext uri="{28A0092B-C50C-407E-A947-70E740481C1C}">
-                <a14:useLocalDpi xmlns:a14="http://schemas.microsoft.com/office/drawing/2010/main" val="0"/>
-              </a:ext>
-            </a:extLst>
-          </a:blip>
-          <a:srcRect/>
-          <a:stretch>
-            <a:fillRect/>
-          </a:stretch>
-        </p:blipFill>
-        <p:spPr bwMode="auto">
-          <a:xfrm>
-            <a:off x="228014" y="17325"/>
-            <a:ext cx="1152798" cy="1152798"/>
-          </a:xfrm>
-          <a:prstGeom prst="rect">
-            <a:avLst/>
-          </a:prstGeom>
-          <a:noFill/>
-          <a:extLst>
-            <a:ext uri="{909E8E84-426E-40DD-AFC4-6F175D3DCCD1}">
-              <a14:hiddenFill xmlns:a14="http://schemas.microsoft.com/office/drawing/2010/main">
-                <a:solidFill>
-                  <a:srgbClr val="FFFFFF"/>
-                </a:solidFill>
-              </a14:hiddenFill>
-            </a:ext>
-          </a:extLst>
-        </p:spPr>
-      </p:pic>
-    </p:spTree>
-    <p:extLst>
-      <p:ext uri="{BB962C8B-B14F-4D97-AF65-F5344CB8AC3E}">
-        <p14:creationId xmlns:p14="http://schemas.microsoft.com/office/powerpoint/2010/main" val="4294671296"/>
       </p:ext>
     </p:extLst>
   </p:cSld>
